--- a/Лекции/ИТиП 1 лек 1.pptx
+++ b/Лекции/ИТиП 1 лек 1.pptx
@@ -245,7 +245,7 @@
             <a:fld id="{AA2F9473-F066-431E-A6E8-1D478C995A6B}" type="datetimeFigureOut">
               <a:rPr lang="en-US" smtClean="0"/>
               <a:pPr/>
-              <a:t>5/6/2025</a:t>
+              <a:t>9/3/2025</a:t>
             </a:fld>
             <a:endParaRPr lang="en-US"/>
           </a:p>
@@ -4337,7 +4337,7 @@
           <p:cNvPr id="9" name="Номер слайда 3">
             <a:extLst>
               <a:ext uri="{FF2B5EF4-FFF2-40B4-BE49-F238E27FC236}">
-                <a16:creationId xmlns:a16="http://schemas.microsoft.com/office/drawing/2014/main" id="{3DF48714-7FE4-4364-BF9D-28B9C9E2979D}"/>
+                <a16:creationId xmlns:a16="http://schemas.microsoft.com/office/drawing/2014/main" xmlns="" id="{3DF48714-7FE4-4364-BF9D-28B9C9E2979D}"/>
               </a:ext>
             </a:extLst>
           </p:cNvPr>
@@ -4563,7 +4563,7 @@
           <p:cNvPr id="10" name="Номер слайда 3">
             <a:extLst>
               <a:ext uri="{FF2B5EF4-FFF2-40B4-BE49-F238E27FC236}">
-                <a16:creationId xmlns:a16="http://schemas.microsoft.com/office/drawing/2014/main" id="{3DF48714-7FE4-4364-BF9D-28B9C9E2979D}"/>
+                <a16:creationId xmlns:a16="http://schemas.microsoft.com/office/drawing/2014/main" xmlns="" id="{3DF48714-7FE4-4364-BF9D-28B9C9E2979D}"/>
               </a:ext>
             </a:extLst>
           </p:cNvPr>
@@ -4790,7 +4790,7 @@
           <p:cNvPr id="9" name="Номер слайда 3">
             <a:extLst>
               <a:ext uri="{FF2B5EF4-FFF2-40B4-BE49-F238E27FC236}">
-                <a16:creationId xmlns:a16="http://schemas.microsoft.com/office/drawing/2014/main" id="{3DF48714-7FE4-4364-BF9D-28B9C9E2979D}"/>
+                <a16:creationId xmlns:a16="http://schemas.microsoft.com/office/drawing/2014/main" xmlns="" id="{3DF48714-7FE4-4364-BF9D-28B9C9E2979D}"/>
               </a:ext>
             </a:extLst>
           </p:cNvPr>
@@ -4928,7 +4928,7 @@
           <p:cNvPr id="7" name="Номер слайда 3">
             <a:extLst>
               <a:ext uri="{FF2B5EF4-FFF2-40B4-BE49-F238E27FC236}">
-                <a16:creationId xmlns:a16="http://schemas.microsoft.com/office/drawing/2014/main" id="{3DF48714-7FE4-4364-BF9D-28B9C9E2979D}"/>
+                <a16:creationId xmlns:a16="http://schemas.microsoft.com/office/drawing/2014/main" xmlns="" id="{3DF48714-7FE4-4364-BF9D-28B9C9E2979D}"/>
               </a:ext>
             </a:extLst>
           </p:cNvPr>
@@ -5154,7 +5154,7 @@
           <p:cNvPr id="9" name="Номер слайда 3">
             <a:extLst>
               <a:ext uri="{FF2B5EF4-FFF2-40B4-BE49-F238E27FC236}">
-                <a16:creationId xmlns:a16="http://schemas.microsoft.com/office/drawing/2014/main" id="{3DF48714-7FE4-4364-BF9D-28B9C9E2979D}"/>
+                <a16:creationId xmlns:a16="http://schemas.microsoft.com/office/drawing/2014/main" xmlns="" id="{3DF48714-7FE4-4364-BF9D-28B9C9E2979D}"/>
               </a:ext>
             </a:extLst>
           </p:cNvPr>
@@ -5456,7 +5456,7 @@
           <p:cNvPr id="9" name="Номер слайда 3">
             <a:extLst>
               <a:ext uri="{FF2B5EF4-FFF2-40B4-BE49-F238E27FC236}">
-                <a16:creationId xmlns:a16="http://schemas.microsoft.com/office/drawing/2014/main" id="{3DF48714-7FE4-4364-BF9D-28B9C9E2979D}"/>
+                <a16:creationId xmlns:a16="http://schemas.microsoft.com/office/drawing/2014/main" xmlns="" id="{3DF48714-7FE4-4364-BF9D-28B9C9E2979D}"/>
               </a:ext>
             </a:extLst>
           </p:cNvPr>
@@ -5735,7 +5735,7 @@
           <p:cNvPr id="10" name="Номер слайда 3">
             <a:extLst>
               <a:ext uri="{FF2B5EF4-FFF2-40B4-BE49-F238E27FC236}">
-                <a16:creationId xmlns:a16="http://schemas.microsoft.com/office/drawing/2014/main" id="{3DF48714-7FE4-4364-BF9D-28B9C9E2979D}"/>
+                <a16:creationId xmlns:a16="http://schemas.microsoft.com/office/drawing/2014/main" xmlns="" id="{3DF48714-7FE4-4364-BF9D-28B9C9E2979D}"/>
               </a:ext>
             </a:extLst>
           </p:cNvPr>
@@ -6149,7 +6149,7 @@
           <p:cNvPr id="12" name="Номер слайда 3">
             <a:extLst>
               <a:ext uri="{FF2B5EF4-FFF2-40B4-BE49-F238E27FC236}">
-                <a16:creationId xmlns:a16="http://schemas.microsoft.com/office/drawing/2014/main" id="{3DF48714-7FE4-4364-BF9D-28B9C9E2979D}"/>
+                <a16:creationId xmlns:a16="http://schemas.microsoft.com/office/drawing/2014/main" xmlns="" id="{3DF48714-7FE4-4364-BF9D-28B9C9E2979D}"/>
               </a:ext>
             </a:extLst>
           </p:cNvPr>
@@ -6314,7 +6314,7 @@
           <p:cNvPr id="8" name="Номер слайда 3">
             <a:extLst>
               <a:ext uri="{FF2B5EF4-FFF2-40B4-BE49-F238E27FC236}">
-                <a16:creationId xmlns:a16="http://schemas.microsoft.com/office/drawing/2014/main" id="{3DF48714-7FE4-4364-BF9D-28B9C9E2979D}"/>
+                <a16:creationId xmlns:a16="http://schemas.microsoft.com/office/drawing/2014/main" xmlns="" id="{3DF48714-7FE4-4364-BF9D-28B9C9E2979D}"/>
               </a:ext>
             </a:extLst>
           </p:cNvPr>
@@ -6465,7 +6465,7 @@
           <p:cNvPr id="7" name="Номер слайда 3">
             <a:extLst>
               <a:ext uri="{FF2B5EF4-FFF2-40B4-BE49-F238E27FC236}">
-                <a16:creationId xmlns:a16="http://schemas.microsoft.com/office/drawing/2014/main" id="{3DF48714-7FE4-4364-BF9D-28B9C9E2979D}"/>
+                <a16:creationId xmlns:a16="http://schemas.microsoft.com/office/drawing/2014/main" xmlns="" id="{3DF48714-7FE4-4364-BF9D-28B9C9E2979D}"/>
               </a:ext>
             </a:extLst>
           </p:cNvPr>
@@ -6798,7 +6798,7 @@
           <p:cNvPr id="10" name="Номер слайда 3">
             <a:extLst>
               <a:ext uri="{FF2B5EF4-FFF2-40B4-BE49-F238E27FC236}">
-                <a16:creationId xmlns:a16="http://schemas.microsoft.com/office/drawing/2014/main" id="{3DF48714-7FE4-4364-BF9D-28B9C9E2979D}"/>
+                <a16:creationId xmlns:a16="http://schemas.microsoft.com/office/drawing/2014/main" xmlns="" id="{3DF48714-7FE4-4364-BF9D-28B9C9E2979D}"/>
               </a:ext>
             </a:extLst>
           </p:cNvPr>
@@ -7102,7 +7102,7 @@
           <p:cNvPr id="10" name="Номер слайда 3">
             <a:extLst>
               <a:ext uri="{FF2B5EF4-FFF2-40B4-BE49-F238E27FC236}">
-                <a16:creationId xmlns:a16="http://schemas.microsoft.com/office/drawing/2014/main" id="{3DF48714-7FE4-4364-BF9D-28B9C9E2979D}"/>
+                <a16:creationId xmlns:a16="http://schemas.microsoft.com/office/drawing/2014/main" xmlns="" id="{3DF48714-7FE4-4364-BF9D-28B9C9E2979D}"/>
               </a:ext>
             </a:extLst>
           </p:cNvPr>
@@ -7383,7 +7383,7 @@
           <p:cNvPr id="9" name="Номер слайда 3">
             <a:extLst>
               <a:ext uri="{FF2B5EF4-FFF2-40B4-BE49-F238E27FC236}">
-                <a16:creationId xmlns:a16="http://schemas.microsoft.com/office/drawing/2014/main" id="{3DF48714-7FE4-4364-BF9D-28B9C9E2979D}"/>
+                <a16:creationId xmlns:a16="http://schemas.microsoft.com/office/drawing/2014/main" xmlns="" id="{3DF48714-7FE4-4364-BF9D-28B9C9E2979D}"/>
               </a:ext>
             </a:extLst>
           </p:cNvPr>
@@ -7859,7 +7859,7 @@
           <p:cNvPr id="17" name="Заголовок 16">
             <a:extLst>
               <a:ext uri="{FF2B5EF4-FFF2-40B4-BE49-F238E27FC236}">
-                <a16:creationId xmlns:a16="http://schemas.microsoft.com/office/drawing/2014/main" id="{D630362D-1F09-46B4-9DE4-AEA483AC82FD}"/>
+                <a16:creationId xmlns:a16="http://schemas.microsoft.com/office/drawing/2014/main" xmlns="" id="{D630362D-1F09-46B4-9DE4-AEA483AC82FD}"/>
               </a:ext>
             </a:extLst>
           </p:cNvPr>
@@ -8162,7 +8162,7 @@
           <p:cNvPr id="25" name="Прямоугольник 24">
             <a:extLst>
               <a:ext uri="{FF2B5EF4-FFF2-40B4-BE49-F238E27FC236}">
-                <a16:creationId xmlns:a16="http://schemas.microsoft.com/office/drawing/2014/main" id="{22956EA0-33B4-48F1-925B-D54652BE9463}"/>
+                <a16:creationId xmlns:a16="http://schemas.microsoft.com/office/drawing/2014/main" xmlns="" id="{22956EA0-33B4-48F1-925B-D54652BE9463}"/>
               </a:ext>
             </a:extLst>
           </p:cNvPr>
@@ -8412,7 +8412,7 @@
           <p:cNvPr id="22" name="Rectangle 28" descr="Светлый диагональный 2">
             <a:extLst>
               <a:ext uri="{FF2B5EF4-FFF2-40B4-BE49-F238E27FC236}">
-                <a16:creationId xmlns:a16="http://schemas.microsoft.com/office/drawing/2014/main" id="{2A0E99F7-A4CC-4E8F-8C74-D6A03276576B}"/>
+                <a16:creationId xmlns:a16="http://schemas.microsoft.com/office/drawing/2014/main" xmlns="" id="{2A0E99F7-A4CC-4E8F-8C74-D6A03276576B}"/>
               </a:ext>
             </a:extLst>
           </p:cNvPr>
@@ -8490,7 +8490,7 @@
           <p:cNvPr id="23" name="TextBox 22">
             <a:extLst>
               <a:ext uri="{FF2B5EF4-FFF2-40B4-BE49-F238E27FC236}">
-                <a16:creationId xmlns:a16="http://schemas.microsoft.com/office/drawing/2014/main" id="{99DF0FE0-DB9D-4180-8370-CD26FB46DF57}"/>
+                <a16:creationId xmlns:a16="http://schemas.microsoft.com/office/drawing/2014/main" xmlns="" id="{99DF0FE0-DB9D-4180-8370-CD26FB46DF57}"/>
               </a:ext>
             </a:extLst>
           </p:cNvPr>
@@ -9098,7 +9098,7 @@
           <p:cNvPr id="23" name="TextBox 22">
             <a:extLst>
               <a:ext uri="{FF2B5EF4-FFF2-40B4-BE49-F238E27FC236}">
-                <a16:creationId xmlns:a16="http://schemas.microsoft.com/office/drawing/2014/main" id="{99DF0FE0-DB9D-4180-8370-CD26FB46DF57}"/>
+                <a16:creationId xmlns:a16="http://schemas.microsoft.com/office/drawing/2014/main" xmlns="" id="{99DF0FE0-DB9D-4180-8370-CD26FB46DF57}"/>
               </a:ext>
             </a:extLst>
           </p:cNvPr>
@@ -9424,7 +9424,7 @@
           <p:cNvPr id="23" name="TextBox 22">
             <a:extLst>
               <a:ext uri="{FF2B5EF4-FFF2-40B4-BE49-F238E27FC236}">
-                <a16:creationId xmlns:a16="http://schemas.microsoft.com/office/drawing/2014/main" id="{99DF0FE0-DB9D-4180-8370-CD26FB46DF57}"/>
+                <a16:creationId xmlns:a16="http://schemas.microsoft.com/office/drawing/2014/main" xmlns="" id="{99DF0FE0-DB9D-4180-8370-CD26FB46DF57}"/>
               </a:ext>
             </a:extLst>
           </p:cNvPr>
@@ -9670,7 +9670,7 @@
           <p:cNvPr id="23" name="TextBox 22">
             <a:extLst>
               <a:ext uri="{FF2B5EF4-FFF2-40B4-BE49-F238E27FC236}">
-                <a16:creationId xmlns:a16="http://schemas.microsoft.com/office/drawing/2014/main" id="{99DF0FE0-DB9D-4180-8370-CD26FB46DF57}"/>
+                <a16:creationId xmlns:a16="http://schemas.microsoft.com/office/drawing/2014/main" xmlns="" id="{99DF0FE0-DB9D-4180-8370-CD26FB46DF57}"/>
               </a:ext>
             </a:extLst>
           </p:cNvPr>
@@ -10073,7 +10073,7 @@
           <p:cNvPr id="21" name="TextBox 20">
             <a:extLst>
               <a:ext uri="{FF2B5EF4-FFF2-40B4-BE49-F238E27FC236}">
-                <a16:creationId xmlns:a16="http://schemas.microsoft.com/office/drawing/2014/main" id="{99DF0FE0-DB9D-4180-8370-CD26FB46DF57}"/>
+                <a16:creationId xmlns:a16="http://schemas.microsoft.com/office/drawing/2014/main" xmlns="" id="{99DF0FE0-DB9D-4180-8370-CD26FB46DF57}"/>
               </a:ext>
             </a:extLst>
           </p:cNvPr>
@@ -10366,7 +10366,7 @@
           <p:cNvPr id="21" name="TextBox 20">
             <a:extLst>
               <a:ext uri="{FF2B5EF4-FFF2-40B4-BE49-F238E27FC236}">
-                <a16:creationId xmlns:a16="http://schemas.microsoft.com/office/drawing/2014/main" id="{99DF0FE0-DB9D-4180-8370-CD26FB46DF57}"/>
+                <a16:creationId xmlns:a16="http://schemas.microsoft.com/office/drawing/2014/main" xmlns="" id="{99DF0FE0-DB9D-4180-8370-CD26FB46DF57}"/>
               </a:ext>
             </a:extLst>
           </p:cNvPr>
@@ -10507,7 +10507,7 @@
           <p:cNvPr id="6" name="TextBox 5">
             <a:extLst>
               <a:ext uri="{FF2B5EF4-FFF2-40B4-BE49-F238E27FC236}">
-                <a16:creationId xmlns:a16="http://schemas.microsoft.com/office/drawing/2014/main" id="{99DF0FE0-DB9D-4180-8370-CD26FB46DF57}"/>
+                <a16:creationId xmlns:a16="http://schemas.microsoft.com/office/drawing/2014/main" xmlns="" id="{99DF0FE0-DB9D-4180-8370-CD26FB46DF57}"/>
               </a:ext>
             </a:extLst>
           </p:cNvPr>
@@ -10660,7 +10660,7 @@
           <p:cNvPr id="9" name="Группа 8">
             <a:extLst>
               <a:ext uri="{FF2B5EF4-FFF2-40B4-BE49-F238E27FC236}">
-                <a16:creationId xmlns:a16="http://schemas.microsoft.com/office/drawing/2014/main" id="{D771CDE3-86D6-4AC2-A9C0-6F7337B2E52A}"/>
+                <a16:creationId xmlns:a16="http://schemas.microsoft.com/office/drawing/2014/main" xmlns="" id="{D771CDE3-86D6-4AC2-A9C0-6F7337B2E52A}"/>
               </a:ext>
             </a:extLst>
           </p:cNvPr>
@@ -10680,7 +10680,7 @@
             <p:cNvPr id="12" name="Прямоугольник 11">
               <a:extLst>
                 <a:ext uri="{FF2B5EF4-FFF2-40B4-BE49-F238E27FC236}">
-                  <a16:creationId xmlns:a16="http://schemas.microsoft.com/office/drawing/2014/main" id="{2F00CCE2-EF06-4BC9-9A80-496481B1266D}"/>
+                  <a16:creationId xmlns:a16="http://schemas.microsoft.com/office/drawing/2014/main" xmlns="" id="{2F00CCE2-EF06-4BC9-9A80-496481B1266D}"/>
                 </a:ext>
               </a:extLst>
             </p:cNvPr>
@@ -10745,7 +10745,7 @@
             <p:cNvPr id="13" name="Прямоугольник 12">
               <a:extLst>
                 <a:ext uri="{FF2B5EF4-FFF2-40B4-BE49-F238E27FC236}">
-                  <a16:creationId xmlns:a16="http://schemas.microsoft.com/office/drawing/2014/main" id="{C5B3F426-C6AB-4971-BF1E-5C15D602CEAF}"/>
+                  <a16:creationId xmlns:a16="http://schemas.microsoft.com/office/drawing/2014/main" xmlns="" id="{C5B3F426-C6AB-4971-BF1E-5C15D602CEAF}"/>
                 </a:ext>
               </a:extLst>
             </p:cNvPr>
@@ -10804,7 +10804,7 @@
             <p:cNvPr id="14" name="Прямоугольник 13">
               <a:extLst>
                 <a:ext uri="{FF2B5EF4-FFF2-40B4-BE49-F238E27FC236}">
-                  <a16:creationId xmlns:a16="http://schemas.microsoft.com/office/drawing/2014/main" id="{788BA2BB-E730-49B7-B223-CD016A833589}"/>
+                  <a16:creationId xmlns:a16="http://schemas.microsoft.com/office/drawing/2014/main" xmlns="" id="{788BA2BB-E730-49B7-B223-CD016A833589}"/>
                 </a:ext>
               </a:extLst>
             </p:cNvPr>
@@ -10878,7 +10878,7 @@
             <p:cNvPr id="15" name="Прямоугольник 14">
               <a:extLst>
                 <a:ext uri="{FF2B5EF4-FFF2-40B4-BE49-F238E27FC236}">
-                  <a16:creationId xmlns:a16="http://schemas.microsoft.com/office/drawing/2014/main" id="{DEA34540-3D1B-4769-87F8-D7BAF86AFCFD}"/>
+                  <a16:creationId xmlns:a16="http://schemas.microsoft.com/office/drawing/2014/main" xmlns="" id="{DEA34540-3D1B-4769-87F8-D7BAF86AFCFD}"/>
                 </a:ext>
               </a:extLst>
             </p:cNvPr>
@@ -10934,7 +10934,7 @@
             <p:cNvPr id="16" name="Прямоугольник 15">
               <a:extLst>
                 <a:ext uri="{FF2B5EF4-FFF2-40B4-BE49-F238E27FC236}">
-                  <a16:creationId xmlns:a16="http://schemas.microsoft.com/office/drawing/2014/main" id="{0838B8F9-9F53-4DFD-9116-851E7C4186D7}"/>
+                  <a16:creationId xmlns:a16="http://schemas.microsoft.com/office/drawing/2014/main" xmlns="" id="{0838B8F9-9F53-4DFD-9116-851E7C4186D7}"/>
                 </a:ext>
               </a:extLst>
             </p:cNvPr>
@@ -10984,7 +10984,7 @@
             <p:cNvPr id="17" name="Прямая со стрелкой 16">
               <a:extLst>
                 <a:ext uri="{FF2B5EF4-FFF2-40B4-BE49-F238E27FC236}">
-                  <a16:creationId xmlns:a16="http://schemas.microsoft.com/office/drawing/2014/main" id="{B2FBBC84-5192-478B-ACB3-054898E156D7}"/>
+                  <a16:creationId xmlns:a16="http://schemas.microsoft.com/office/drawing/2014/main" xmlns="" id="{B2FBBC84-5192-478B-ACB3-054898E156D7}"/>
                 </a:ext>
               </a:extLst>
             </p:cNvPr>
@@ -11026,7 +11026,7 @@
             <p:cNvPr id="18" name="Прямая со стрелкой 17">
               <a:extLst>
                 <a:ext uri="{FF2B5EF4-FFF2-40B4-BE49-F238E27FC236}">
-                  <a16:creationId xmlns:a16="http://schemas.microsoft.com/office/drawing/2014/main" id="{1CB0CB04-6EF5-4E77-95AE-96DC91993A4F}"/>
+                  <a16:creationId xmlns:a16="http://schemas.microsoft.com/office/drawing/2014/main" xmlns="" id="{1CB0CB04-6EF5-4E77-95AE-96DC91993A4F}"/>
                 </a:ext>
               </a:extLst>
             </p:cNvPr>
@@ -11069,7 +11069,7 @@
             <p:cNvPr id="19" name="Прямая со стрелкой 18">
               <a:extLst>
                 <a:ext uri="{FF2B5EF4-FFF2-40B4-BE49-F238E27FC236}">
-                  <a16:creationId xmlns:a16="http://schemas.microsoft.com/office/drawing/2014/main" id="{40304903-FCF3-47D8-A396-130F13CA35FD}"/>
+                  <a16:creationId xmlns:a16="http://schemas.microsoft.com/office/drawing/2014/main" xmlns="" id="{40304903-FCF3-47D8-A396-130F13CA35FD}"/>
                 </a:ext>
               </a:extLst>
             </p:cNvPr>
@@ -11112,7 +11112,7 @@
             <p:cNvPr id="20" name="Прямая со стрелкой 19">
               <a:extLst>
                 <a:ext uri="{FF2B5EF4-FFF2-40B4-BE49-F238E27FC236}">
-                  <a16:creationId xmlns:a16="http://schemas.microsoft.com/office/drawing/2014/main" id="{D23401FB-81D7-433E-BA93-03E4BFF1C090}"/>
+                  <a16:creationId xmlns:a16="http://schemas.microsoft.com/office/drawing/2014/main" xmlns="" id="{D23401FB-81D7-433E-BA93-03E4BFF1C090}"/>
                 </a:ext>
               </a:extLst>
             </p:cNvPr>
@@ -11156,7 +11156,7 @@
           <p:cNvPr id="10" name="Рисунок 9">
             <a:extLst>
               <a:ext uri="{FF2B5EF4-FFF2-40B4-BE49-F238E27FC236}">
-                <a16:creationId xmlns:a16="http://schemas.microsoft.com/office/drawing/2014/main" id="{194837E7-3F10-40CA-8B97-725CE6C93360}"/>
+                <a16:creationId xmlns:a16="http://schemas.microsoft.com/office/drawing/2014/main" xmlns="" id="{194837E7-3F10-40CA-8B97-725CE6C93360}"/>
               </a:ext>
             </a:extLst>
           </p:cNvPr>
@@ -11186,7 +11186,7 @@
           <p:cNvPr id="23" name="Прямая со стрелкой 22">
             <a:extLst>
               <a:ext uri="{FF2B5EF4-FFF2-40B4-BE49-F238E27FC236}">
-                <a16:creationId xmlns:a16="http://schemas.microsoft.com/office/drawing/2014/main" id="{E8633AB1-7B4D-49F6-8422-8FE02A73CFAF}"/>
+                <a16:creationId xmlns:a16="http://schemas.microsoft.com/office/drawing/2014/main" xmlns="" id="{E8633AB1-7B4D-49F6-8422-8FE02A73CFAF}"/>
               </a:ext>
             </a:extLst>
           </p:cNvPr>
@@ -11358,7 +11358,7 @@
           <p:cNvPr id="22" name="Rectangle 28" descr="Светлый диагональный 2">
             <a:extLst>
               <a:ext uri="{FF2B5EF4-FFF2-40B4-BE49-F238E27FC236}">
-                <a16:creationId xmlns:a16="http://schemas.microsoft.com/office/drawing/2014/main" id="{2A0E99F7-A4CC-4E8F-8C74-D6A03276576B}"/>
+                <a16:creationId xmlns:a16="http://schemas.microsoft.com/office/drawing/2014/main" xmlns="" id="{2A0E99F7-A4CC-4E8F-8C74-D6A03276576B}"/>
               </a:ext>
             </a:extLst>
           </p:cNvPr>
@@ -11427,7 +11427,7 @@
           <p:cNvPr id="23" name="TextBox 22">
             <a:extLst>
               <a:ext uri="{FF2B5EF4-FFF2-40B4-BE49-F238E27FC236}">
-                <a16:creationId xmlns:a16="http://schemas.microsoft.com/office/drawing/2014/main" id="{99DF0FE0-DB9D-4180-8370-CD26FB46DF57}"/>
+                <a16:creationId xmlns:a16="http://schemas.microsoft.com/office/drawing/2014/main" xmlns="" id="{99DF0FE0-DB9D-4180-8370-CD26FB46DF57}"/>
               </a:ext>
             </a:extLst>
           </p:cNvPr>
@@ -11970,7 +11970,7 @@
           <p:cNvPr id="23" name="TextBox 22">
             <a:extLst>
               <a:ext uri="{FF2B5EF4-FFF2-40B4-BE49-F238E27FC236}">
-                <a16:creationId xmlns:a16="http://schemas.microsoft.com/office/drawing/2014/main" id="{99DF0FE0-DB9D-4180-8370-CD26FB46DF57}"/>
+                <a16:creationId xmlns:a16="http://schemas.microsoft.com/office/drawing/2014/main" xmlns="" id="{99DF0FE0-DB9D-4180-8370-CD26FB46DF57}"/>
               </a:ext>
             </a:extLst>
           </p:cNvPr>
@@ -12217,8 +12217,8 @@
         </p:nvSpPr>
         <p:spPr>
           <a:xfrm>
-            <a:off x="0" y="467832"/>
-            <a:ext cx="12192000" cy="5903152"/>
+            <a:off x="0" y="145446"/>
+            <a:ext cx="12192000" cy="6494083"/>
           </a:xfrm>
           <a:prstGeom prst="rect">
             <a:avLst/>
@@ -12272,8 +12272,47 @@
               <a:rPr lang="ru-RU" altLang="ru-RU" sz="3200" dirty="0" smtClean="0">
                 <a:latin typeface="Bookman Old Style" pitchFamily="18" charset="0"/>
               </a:rPr>
-              <a:t>инженер-программист 1-й категории</a:t>
-            </a:r>
+              <a:t>инженер-программист 1-й </a:t>
+            </a:r>
+            <a:r>
+              <a:rPr lang="ru-RU" altLang="ru-RU" sz="3200" dirty="0" smtClean="0">
+                <a:latin typeface="Bookman Old Style" pitchFamily="18" charset="0"/>
+              </a:rPr>
+              <a:t>категории</a:t>
+            </a:r>
+            <a:endParaRPr lang="en-US" altLang="ru-RU" sz="3200" dirty="0" smtClean="0">
+              <a:latin typeface="Bookman Old Style" pitchFamily="18" charset="0"/>
+            </a:endParaRPr>
+          </a:p>
+          <a:p>
+            <a:pPr indent="254000" algn="ctr">
+              <a:spcBef>
+                <a:spcPct val="20000"/>
+              </a:spcBef>
+            </a:pPr>
+            <a:r>
+              <a:rPr lang="en-US" altLang="ru-RU" sz="3200" dirty="0">
+                <a:latin typeface="Bookman Old Style" pitchFamily="18" charset="0"/>
+                <a:hlinkClick r:id="rId3"/>
+              </a:rPr>
+              <a:t>https://</a:t>
+            </a:r>
+            <a:r>
+              <a:rPr lang="en-US" altLang="ru-RU" sz="3200" dirty="0" smtClean="0">
+                <a:latin typeface="Bookman Old Style" pitchFamily="18" charset="0"/>
+                <a:hlinkClick r:id="rId3"/>
+              </a:rPr>
+              <a:t>github.com/DaniilKlyukin</a:t>
+            </a:r>
+            <a:r>
+              <a:rPr lang="en-US" altLang="ru-RU" sz="3200" dirty="0" smtClean="0">
+                <a:latin typeface="Bookman Old Style" pitchFamily="18" charset="0"/>
+              </a:rPr>
+              <a:t> </a:t>
+            </a:r>
+            <a:endParaRPr lang="ru-RU" altLang="ru-RU" sz="3200" dirty="0" smtClean="0">
+              <a:latin typeface="Bookman Old Style" pitchFamily="18" charset="0"/>
+            </a:endParaRPr>
           </a:p>
           <a:p>
             <a:pPr indent="254000" algn="ctr">
@@ -12493,7 +12532,7 @@
           <p:cNvPr id="23" name="TextBox 22">
             <a:extLst>
               <a:ext uri="{FF2B5EF4-FFF2-40B4-BE49-F238E27FC236}">
-                <a16:creationId xmlns:a16="http://schemas.microsoft.com/office/drawing/2014/main" id="{99DF0FE0-DB9D-4180-8370-CD26FB46DF57}"/>
+                <a16:creationId xmlns:a16="http://schemas.microsoft.com/office/drawing/2014/main" xmlns="" id="{99DF0FE0-DB9D-4180-8370-CD26FB46DF57}"/>
               </a:ext>
             </a:extLst>
           </p:cNvPr>
@@ -12924,7 +12963,7 @@
           <p:cNvPr id="23" name="TextBox 22">
             <a:extLst>
               <a:ext uri="{FF2B5EF4-FFF2-40B4-BE49-F238E27FC236}">
-                <a16:creationId xmlns:a16="http://schemas.microsoft.com/office/drawing/2014/main" id="{99DF0FE0-DB9D-4180-8370-CD26FB46DF57}"/>
+                <a16:creationId xmlns:a16="http://schemas.microsoft.com/office/drawing/2014/main" xmlns="" id="{99DF0FE0-DB9D-4180-8370-CD26FB46DF57}"/>
               </a:ext>
             </a:extLst>
           </p:cNvPr>
@@ -12984,7 +13023,7 @@
           <p:cNvPr id="5" name="Rectangle 28" descr="Светлый диагональный 2">
             <a:extLst>
               <a:ext uri="{FF2B5EF4-FFF2-40B4-BE49-F238E27FC236}">
-                <a16:creationId xmlns:a16="http://schemas.microsoft.com/office/drawing/2014/main" id="{2A0E99F7-A4CC-4E8F-8C74-D6A03276576B}"/>
+                <a16:creationId xmlns:a16="http://schemas.microsoft.com/office/drawing/2014/main" xmlns="" id="{2A0E99F7-A4CC-4E8F-8C74-D6A03276576B}"/>
               </a:ext>
             </a:extLst>
           </p:cNvPr>
@@ -13200,7 +13239,7 @@
           <p:cNvPr id="23" name="TextBox 22">
             <a:extLst>
               <a:ext uri="{FF2B5EF4-FFF2-40B4-BE49-F238E27FC236}">
-                <a16:creationId xmlns:a16="http://schemas.microsoft.com/office/drawing/2014/main" id="{99DF0FE0-DB9D-4180-8370-CD26FB46DF57}"/>
+                <a16:creationId xmlns:a16="http://schemas.microsoft.com/office/drawing/2014/main" xmlns="" id="{99DF0FE0-DB9D-4180-8370-CD26FB46DF57}"/>
               </a:ext>
             </a:extLst>
           </p:cNvPr>
@@ -13572,7 +13611,7 @@
           <p:cNvPr id="23" name="TextBox 22">
             <a:extLst>
               <a:ext uri="{FF2B5EF4-FFF2-40B4-BE49-F238E27FC236}">
-                <a16:creationId xmlns:a16="http://schemas.microsoft.com/office/drawing/2014/main" id="{99DF0FE0-DB9D-4180-8370-CD26FB46DF57}"/>
+                <a16:creationId xmlns:a16="http://schemas.microsoft.com/office/drawing/2014/main" xmlns="" id="{99DF0FE0-DB9D-4180-8370-CD26FB46DF57}"/>
               </a:ext>
             </a:extLst>
           </p:cNvPr>
@@ -13750,7 +13789,7 @@
           <p:cNvPr id="23" name="TextBox 22">
             <a:extLst>
               <a:ext uri="{FF2B5EF4-FFF2-40B4-BE49-F238E27FC236}">
-                <a16:creationId xmlns:a16="http://schemas.microsoft.com/office/drawing/2014/main" id="{99DF0FE0-DB9D-4180-8370-CD26FB46DF57}"/>
+                <a16:creationId xmlns:a16="http://schemas.microsoft.com/office/drawing/2014/main" xmlns="" id="{99DF0FE0-DB9D-4180-8370-CD26FB46DF57}"/>
               </a:ext>
             </a:extLst>
           </p:cNvPr>
@@ -14115,7 +14154,7 @@
           <p:cNvPr id="3" name="Рисунок 2">
             <a:extLst>
               <a:ext uri="{FF2B5EF4-FFF2-40B4-BE49-F238E27FC236}">
-                <a16:creationId xmlns:a16="http://schemas.microsoft.com/office/drawing/2014/main" id="{859C4B86-B6A4-4A4B-880A-EE14445C6884}"/>
+                <a16:creationId xmlns:a16="http://schemas.microsoft.com/office/drawing/2014/main" xmlns="" id="{859C4B86-B6A4-4A4B-880A-EE14445C6884}"/>
               </a:ext>
             </a:extLst>
           </p:cNvPr>
@@ -14144,7 +14183,7 @@
           <p:cNvPr id="13" name="TextBox 12">
             <a:extLst>
               <a:ext uri="{FF2B5EF4-FFF2-40B4-BE49-F238E27FC236}">
-                <a16:creationId xmlns:a16="http://schemas.microsoft.com/office/drawing/2014/main" id="{E0696F13-9733-4285-99D6-6649D7834871}"/>
+                <a16:creationId xmlns:a16="http://schemas.microsoft.com/office/drawing/2014/main" xmlns="" id="{E0696F13-9733-4285-99D6-6649D7834871}"/>
               </a:ext>
             </a:extLst>
           </p:cNvPr>
@@ -14186,7 +14225,7 @@
           <p:cNvPr id="10" name="Рисунок 9">
             <a:extLst>
               <a:ext uri="{FF2B5EF4-FFF2-40B4-BE49-F238E27FC236}">
-                <a16:creationId xmlns:a16="http://schemas.microsoft.com/office/drawing/2014/main" id="{859C4B86-B6A4-4A4B-880A-EE14445C6884}"/>
+                <a16:creationId xmlns:a16="http://schemas.microsoft.com/office/drawing/2014/main" xmlns="" id="{859C4B86-B6A4-4A4B-880A-EE14445C6884}"/>
               </a:ext>
             </a:extLst>
           </p:cNvPr>
@@ -14215,7 +14254,7 @@
           <p:cNvPr id="11" name="Рисунок 10">
             <a:extLst>
               <a:ext uri="{FF2B5EF4-FFF2-40B4-BE49-F238E27FC236}">
-                <a16:creationId xmlns:a16="http://schemas.microsoft.com/office/drawing/2014/main" id="{859C4B86-B6A4-4A4B-880A-EE14445C6884}"/>
+                <a16:creationId xmlns:a16="http://schemas.microsoft.com/office/drawing/2014/main" xmlns="" id="{859C4B86-B6A4-4A4B-880A-EE14445C6884}"/>
               </a:ext>
             </a:extLst>
           </p:cNvPr>
@@ -14244,7 +14283,7 @@
           <p:cNvPr id="14" name="TextBox 13">
             <a:extLst>
               <a:ext uri="{FF2B5EF4-FFF2-40B4-BE49-F238E27FC236}">
-                <a16:creationId xmlns:a16="http://schemas.microsoft.com/office/drawing/2014/main" id="{E0696F13-9733-4285-99D6-6649D7834871}"/>
+                <a16:creationId xmlns:a16="http://schemas.microsoft.com/office/drawing/2014/main" xmlns="" id="{E0696F13-9733-4285-99D6-6649D7834871}"/>
               </a:ext>
             </a:extLst>
           </p:cNvPr>
@@ -14578,7 +14617,7 @@
           <p:cNvPr id="21" name="TextBox 20">
             <a:extLst>
               <a:ext uri="{FF2B5EF4-FFF2-40B4-BE49-F238E27FC236}">
-                <a16:creationId xmlns:a16="http://schemas.microsoft.com/office/drawing/2014/main" id="{99DF0FE0-DB9D-4180-8370-CD26FB46DF57}"/>
+                <a16:creationId xmlns:a16="http://schemas.microsoft.com/office/drawing/2014/main" xmlns="" id="{99DF0FE0-DB9D-4180-8370-CD26FB46DF57}"/>
               </a:ext>
             </a:extLst>
           </p:cNvPr>
@@ -15065,7 +15104,7 @@
           <p:cNvPr id="21" name="TextBox 20">
             <a:extLst>
               <a:ext uri="{FF2B5EF4-FFF2-40B4-BE49-F238E27FC236}">
-                <a16:creationId xmlns:a16="http://schemas.microsoft.com/office/drawing/2014/main" id="{99DF0FE0-DB9D-4180-8370-CD26FB46DF57}"/>
+                <a16:creationId xmlns:a16="http://schemas.microsoft.com/office/drawing/2014/main" xmlns="" id="{99DF0FE0-DB9D-4180-8370-CD26FB46DF57}"/>
               </a:ext>
             </a:extLst>
           </p:cNvPr>
@@ -15520,7 +15559,7 @@
           <p:cNvPr id="22" name="Rectangle 28" descr="Светлый диагональный 2">
             <a:extLst>
               <a:ext uri="{FF2B5EF4-FFF2-40B4-BE49-F238E27FC236}">
-                <a16:creationId xmlns:a16="http://schemas.microsoft.com/office/drawing/2014/main" id="{2A0E99F7-A4CC-4E8F-8C74-D6A03276576B}"/>
+                <a16:creationId xmlns:a16="http://schemas.microsoft.com/office/drawing/2014/main" xmlns="" id="{2A0E99F7-A4CC-4E8F-8C74-D6A03276576B}"/>
               </a:ext>
             </a:extLst>
           </p:cNvPr>
@@ -15598,7 +15637,7 @@
           <p:cNvPr id="23" name="TextBox 22">
             <a:extLst>
               <a:ext uri="{FF2B5EF4-FFF2-40B4-BE49-F238E27FC236}">
-                <a16:creationId xmlns:a16="http://schemas.microsoft.com/office/drawing/2014/main" id="{99DF0FE0-DB9D-4180-8370-CD26FB46DF57}"/>
+                <a16:creationId xmlns:a16="http://schemas.microsoft.com/office/drawing/2014/main" xmlns="" id="{99DF0FE0-DB9D-4180-8370-CD26FB46DF57}"/>
               </a:ext>
             </a:extLst>
           </p:cNvPr>
@@ -16223,7 +16262,7 @@
           <p:cNvPr id="23" name="TextBox 22">
             <a:extLst>
               <a:ext uri="{FF2B5EF4-FFF2-40B4-BE49-F238E27FC236}">
-                <a16:creationId xmlns:a16="http://schemas.microsoft.com/office/drawing/2014/main" id="{99DF0FE0-DB9D-4180-8370-CD26FB46DF57}"/>
+                <a16:creationId xmlns:a16="http://schemas.microsoft.com/office/drawing/2014/main" xmlns="" id="{99DF0FE0-DB9D-4180-8370-CD26FB46DF57}"/>
               </a:ext>
             </a:extLst>
           </p:cNvPr>
@@ -16497,7 +16536,7 @@
           <p:cNvPr id="3" name="Таблица 4">
             <a:extLst>
               <a:ext uri="{FF2B5EF4-FFF2-40B4-BE49-F238E27FC236}">
-                <a16:creationId xmlns:a16="http://schemas.microsoft.com/office/drawing/2014/main" id="{00F7F49F-4DBA-4F90-930B-168FBD2C3993}"/>
+                <a16:creationId xmlns:a16="http://schemas.microsoft.com/office/drawing/2014/main" xmlns="" id="{00F7F49F-4DBA-4F90-930B-168FBD2C3993}"/>
               </a:ext>
             </a:extLst>
           </p:cNvPr>
@@ -16526,28 +16565,28 @@
                 <a:gridCol w="2896849">
                   <a:extLst>
                     <a:ext uri="{9D8B030D-6E8A-4147-A177-3AD203B41FA5}">
-                      <a16:colId xmlns:a16="http://schemas.microsoft.com/office/drawing/2014/main" val="1499889481"/>
+                      <a16:colId xmlns:a16="http://schemas.microsoft.com/office/drawing/2014/main" xmlns="" val="1499889481"/>
                     </a:ext>
                   </a:extLst>
                 </a:gridCol>
                 <a:gridCol w="2896849">
                   <a:extLst>
                     <a:ext uri="{9D8B030D-6E8A-4147-A177-3AD203B41FA5}">
-                      <a16:colId xmlns:a16="http://schemas.microsoft.com/office/drawing/2014/main" val="4096455142"/>
+                      <a16:colId xmlns:a16="http://schemas.microsoft.com/office/drawing/2014/main" xmlns="" val="4096455142"/>
                     </a:ext>
                   </a:extLst>
                 </a:gridCol>
                 <a:gridCol w="2896849">
                   <a:extLst>
                     <a:ext uri="{9D8B030D-6E8A-4147-A177-3AD203B41FA5}">
-                      <a16:colId xmlns:a16="http://schemas.microsoft.com/office/drawing/2014/main" val="2769789513"/>
+                      <a16:colId xmlns:a16="http://schemas.microsoft.com/office/drawing/2014/main" xmlns="" val="2769789513"/>
                     </a:ext>
                   </a:extLst>
                 </a:gridCol>
                 <a:gridCol w="2896849">
                   <a:extLst>
                     <a:ext uri="{9D8B030D-6E8A-4147-A177-3AD203B41FA5}">
-                      <a16:colId xmlns:a16="http://schemas.microsoft.com/office/drawing/2014/main" val="2020725272"/>
+                      <a16:colId xmlns:a16="http://schemas.microsoft.com/office/drawing/2014/main" xmlns="" val="2020725272"/>
                     </a:ext>
                   </a:extLst>
                 </a:gridCol>
@@ -16824,7 +16863,7 @@
                 </a:tc>
                 <a:extLst>
                   <a:ext uri="{0D108BD9-81ED-4DB2-BD59-A6C34878D82A}">
-                    <a16:rowId xmlns:a16="http://schemas.microsoft.com/office/drawing/2014/main" val="668919319"/>
+                    <a16:rowId xmlns:a16="http://schemas.microsoft.com/office/drawing/2014/main" xmlns="" val="668919319"/>
                   </a:ext>
                 </a:extLst>
               </a:tr>
@@ -17079,7 +17118,7 @@
                 </a:tc>
                 <a:extLst>
                   <a:ext uri="{0D108BD9-81ED-4DB2-BD59-A6C34878D82A}">
-                    <a16:rowId xmlns:a16="http://schemas.microsoft.com/office/drawing/2014/main" val="2995061059"/>
+                    <a16:rowId xmlns:a16="http://schemas.microsoft.com/office/drawing/2014/main" xmlns="" val="2995061059"/>
                   </a:ext>
                 </a:extLst>
               </a:tr>
@@ -17334,7 +17373,7 @@
                 </a:tc>
                 <a:extLst>
                   <a:ext uri="{0D108BD9-81ED-4DB2-BD59-A6C34878D82A}">
-                    <a16:rowId xmlns:a16="http://schemas.microsoft.com/office/drawing/2014/main" val="3950375822"/>
+                    <a16:rowId xmlns:a16="http://schemas.microsoft.com/office/drawing/2014/main" xmlns="" val="3950375822"/>
                   </a:ext>
                 </a:extLst>
               </a:tr>
@@ -17589,7 +17628,7 @@
                 </a:tc>
                 <a:extLst>
                   <a:ext uri="{0D108BD9-81ED-4DB2-BD59-A6C34878D82A}">
-                    <a16:rowId xmlns:a16="http://schemas.microsoft.com/office/drawing/2014/main" val="1951172052"/>
+                    <a16:rowId xmlns:a16="http://schemas.microsoft.com/office/drawing/2014/main" xmlns="" val="1951172052"/>
                   </a:ext>
                 </a:extLst>
               </a:tr>
@@ -17844,7 +17883,7 @@
                 </a:tc>
                 <a:extLst>
                   <a:ext uri="{0D108BD9-81ED-4DB2-BD59-A6C34878D82A}">
-                    <a16:rowId xmlns:a16="http://schemas.microsoft.com/office/drawing/2014/main" val="1132460826"/>
+                    <a16:rowId xmlns:a16="http://schemas.microsoft.com/office/drawing/2014/main" xmlns="" val="1132460826"/>
                   </a:ext>
                 </a:extLst>
               </a:tr>
@@ -18099,7 +18138,7 @@
                 </a:tc>
                 <a:extLst>
                   <a:ext uri="{0D108BD9-81ED-4DB2-BD59-A6C34878D82A}">
-                    <a16:rowId xmlns:a16="http://schemas.microsoft.com/office/drawing/2014/main" val="1034578032"/>
+                    <a16:rowId xmlns:a16="http://schemas.microsoft.com/office/drawing/2014/main" xmlns="" val="1034578032"/>
                   </a:ext>
                 </a:extLst>
               </a:tr>
@@ -18354,7 +18393,7 @@
                 </a:tc>
                 <a:extLst>
                   <a:ext uri="{0D108BD9-81ED-4DB2-BD59-A6C34878D82A}">
-                    <a16:rowId xmlns:a16="http://schemas.microsoft.com/office/drawing/2014/main" val="909180103"/>
+                    <a16:rowId xmlns:a16="http://schemas.microsoft.com/office/drawing/2014/main" xmlns="" val="909180103"/>
                   </a:ext>
                 </a:extLst>
               </a:tr>
@@ -18390,112 +18429,112 @@
                 <a:gridCol w="324884">
                   <a:extLst>
                     <a:ext uri="{9D8B030D-6E8A-4147-A177-3AD203B41FA5}">
-                      <a16:colId xmlns:a16="http://schemas.microsoft.com/office/drawing/2014/main" val="20000"/>
+                      <a16:colId xmlns:a16="http://schemas.microsoft.com/office/drawing/2014/main" xmlns="" val="20000"/>
                     </a:ext>
                   </a:extLst>
                 </a:gridCol>
                 <a:gridCol w="324884">
                   <a:extLst>
                     <a:ext uri="{9D8B030D-6E8A-4147-A177-3AD203B41FA5}">
-                      <a16:colId xmlns:a16="http://schemas.microsoft.com/office/drawing/2014/main" val="20001"/>
+                      <a16:colId xmlns:a16="http://schemas.microsoft.com/office/drawing/2014/main" xmlns="" val="20001"/>
                     </a:ext>
                   </a:extLst>
                 </a:gridCol>
                 <a:gridCol w="324884">
                   <a:extLst>
                     <a:ext uri="{9D8B030D-6E8A-4147-A177-3AD203B41FA5}">
-                      <a16:colId xmlns:a16="http://schemas.microsoft.com/office/drawing/2014/main" val="20002"/>
+                      <a16:colId xmlns:a16="http://schemas.microsoft.com/office/drawing/2014/main" xmlns="" val="20002"/>
                     </a:ext>
                   </a:extLst>
                 </a:gridCol>
                 <a:gridCol w="324884">
                   <a:extLst>
                     <a:ext uri="{9D8B030D-6E8A-4147-A177-3AD203B41FA5}">
-                      <a16:colId xmlns:a16="http://schemas.microsoft.com/office/drawing/2014/main" val="20003"/>
+                      <a16:colId xmlns:a16="http://schemas.microsoft.com/office/drawing/2014/main" xmlns="" val="20003"/>
                     </a:ext>
                   </a:extLst>
                 </a:gridCol>
                 <a:gridCol w="324884">
                   <a:extLst>
                     <a:ext uri="{9D8B030D-6E8A-4147-A177-3AD203B41FA5}">
-                      <a16:colId xmlns:a16="http://schemas.microsoft.com/office/drawing/2014/main" val="20004"/>
+                      <a16:colId xmlns:a16="http://schemas.microsoft.com/office/drawing/2014/main" xmlns="" val="20004"/>
                     </a:ext>
                   </a:extLst>
                 </a:gridCol>
                 <a:gridCol w="324884">
                   <a:extLst>
                     <a:ext uri="{9D8B030D-6E8A-4147-A177-3AD203B41FA5}">
-                      <a16:colId xmlns:a16="http://schemas.microsoft.com/office/drawing/2014/main" val="20005"/>
+                      <a16:colId xmlns:a16="http://schemas.microsoft.com/office/drawing/2014/main" xmlns="" val="20005"/>
                     </a:ext>
                   </a:extLst>
                 </a:gridCol>
                 <a:gridCol w="324884">
                   <a:extLst>
                     <a:ext uri="{9D8B030D-6E8A-4147-A177-3AD203B41FA5}">
-                      <a16:colId xmlns:a16="http://schemas.microsoft.com/office/drawing/2014/main" val="20006"/>
+                      <a16:colId xmlns:a16="http://schemas.microsoft.com/office/drawing/2014/main" xmlns="" val="20006"/>
                     </a:ext>
                   </a:extLst>
                 </a:gridCol>
                 <a:gridCol w="324884">
                   <a:extLst>
                     <a:ext uri="{9D8B030D-6E8A-4147-A177-3AD203B41FA5}">
-                      <a16:colId xmlns:a16="http://schemas.microsoft.com/office/drawing/2014/main" val="20007"/>
+                      <a16:colId xmlns:a16="http://schemas.microsoft.com/office/drawing/2014/main" xmlns="" val="20007"/>
                     </a:ext>
                   </a:extLst>
                 </a:gridCol>
                 <a:gridCol w="324884">
                   <a:extLst>
                     <a:ext uri="{9D8B030D-6E8A-4147-A177-3AD203B41FA5}">
-                      <a16:colId xmlns:a16="http://schemas.microsoft.com/office/drawing/2014/main" val="20008"/>
+                      <a16:colId xmlns:a16="http://schemas.microsoft.com/office/drawing/2014/main" xmlns="" val="20008"/>
                     </a:ext>
                   </a:extLst>
                 </a:gridCol>
                 <a:gridCol w="324884">
                   <a:extLst>
                     <a:ext uri="{9D8B030D-6E8A-4147-A177-3AD203B41FA5}">
-                      <a16:colId xmlns:a16="http://schemas.microsoft.com/office/drawing/2014/main" val="20009"/>
+                      <a16:colId xmlns:a16="http://schemas.microsoft.com/office/drawing/2014/main" xmlns="" val="20009"/>
                     </a:ext>
                   </a:extLst>
                 </a:gridCol>
                 <a:gridCol w="324884">
                   <a:extLst>
                     <a:ext uri="{9D8B030D-6E8A-4147-A177-3AD203B41FA5}">
-                      <a16:colId xmlns:a16="http://schemas.microsoft.com/office/drawing/2014/main" val="20010"/>
+                      <a16:colId xmlns:a16="http://schemas.microsoft.com/office/drawing/2014/main" xmlns="" val="20010"/>
                     </a:ext>
                   </a:extLst>
                 </a:gridCol>
                 <a:gridCol w="324884">
                   <a:extLst>
                     <a:ext uri="{9D8B030D-6E8A-4147-A177-3AD203B41FA5}">
-                      <a16:colId xmlns:a16="http://schemas.microsoft.com/office/drawing/2014/main" val="20011"/>
+                      <a16:colId xmlns:a16="http://schemas.microsoft.com/office/drawing/2014/main" xmlns="" val="20011"/>
                     </a:ext>
                   </a:extLst>
                 </a:gridCol>
                 <a:gridCol w="324884">
                   <a:extLst>
                     <a:ext uri="{9D8B030D-6E8A-4147-A177-3AD203B41FA5}">
-                      <a16:colId xmlns:a16="http://schemas.microsoft.com/office/drawing/2014/main" val="20012"/>
+                      <a16:colId xmlns:a16="http://schemas.microsoft.com/office/drawing/2014/main" xmlns="" val="20012"/>
                     </a:ext>
                   </a:extLst>
                 </a:gridCol>
                 <a:gridCol w="324884">
                   <a:extLst>
                     <a:ext uri="{9D8B030D-6E8A-4147-A177-3AD203B41FA5}">
-                      <a16:colId xmlns:a16="http://schemas.microsoft.com/office/drawing/2014/main" val="20013"/>
+                      <a16:colId xmlns:a16="http://schemas.microsoft.com/office/drawing/2014/main" xmlns="" val="20013"/>
                     </a:ext>
                   </a:extLst>
                 </a:gridCol>
                 <a:gridCol w="324884">
                   <a:extLst>
                     <a:ext uri="{9D8B030D-6E8A-4147-A177-3AD203B41FA5}">
-                      <a16:colId xmlns:a16="http://schemas.microsoft.com/office/drawing/2014/main" val="20014"/>
+                      <a16:colId xmlns:a16="http://schemas.microsoft.com/office/drawing/2014/main" xmlns="" val="20014"/>
                     </a:ext>
                   </a:extLst>
                 </a:gridCol>
                 <a:gridCol w="324884">
                   <a:extLst>
                     <a:ext uri="{9D8B030D-6E8A-4147-A177-3AD203B41FA5}">
-                      <a16:colId xmlns:a16="http://schemas.microsoft.com/office/drawing/2014/main" val="20015"/>
+                      <a16:colId xmlns:a16="http://schemas.microsoft.com/office/drawing/2014/main" xmlns="" val="20015"/>
                     </a:ext>
                   </a:extLst>
                 </a:gridCol>
@@ -19671,7 +19710,7 @@
                 </a:tc>
                 <a:extLst>
                   <a:ext uri="{0D108BD9-81ED-4DB2-BD59-A6C34878D82A}">
-                    <a16:rowId xmlns:a16="http://schemas.microsoft.com/office/drawing/2014/main" val="10000"/>
+                    <a16:rowId xmlns:a16="http://schemas.microsoft.com/office/drawing/2014/main" xmlns="" val="10000"/>
                   </a:ext>
                 </a:extLst>
               </a:tr>
@@ -19684,7 +19723,7 @@
           <p:cNvPr id="7" name="TextBox 6">
             <a:extLst>
               <a:ext uri="{FF2B5EF4-FFF2-40B4-BE49-F238E27FC236}">
-                <a16:creationId xmlns:a16="http://schemas.microsoft.com/office/drawing/2014/main" id="{99DF0FE0-DB9D-4180-8370-CD26FB46DF57}"/>
+                <a16:creationId xmlns:a16="http://schemas.microsoft.com/office/drawing/2014/main" xmlns="" id="{99DF0FE0-DB9D-4180-8370-CD26FB46DF57}"/>
               </a:ext>
             </a:extLst>
           </p:cNvPr>
@@ -19781,7 +19820,7 @@
           <p:cNvPr id="8" name="TextBox 7">
             <a:extLst>
               <a:ext uri="{FF2B5EF4-FFF2-40B4-BE49-F238E27FC236}">
-                <a16:creationId xmlns:a16="http://schemas.microsoft.com/office/drawing/2014/main" id="{99DF0FE0-DB9D-4180-8370-CD26FB46DF57}"/>
+                <a16:creationId xmlns:a16="http://schemas.microsoft.com/office/drawing/2014/main" xmlns="" id="{99DF0FE0-DB9D-4180-8370-CD26FB46DF57}"/>
               </a:ext>
             </a:extLst>
           </p:cNvPr>
@@ -19833,7 +19872,7 @@
           <p:cNvPr id="9" name="TextBox 8">
             <a:extLst>
               <a:ext uri="{FF2B5EF4-FFF2-40B4-BE49-F238E27FC236}">
-                <a16:creationId xmlns:a16="http://schemas.microsoft.com/office/drawing/2014/main" id="{99DF0FE0-DB9D-4180-8370-CD26FB46DF57}"/>
+                <a16:creationId xmlns:a16="http://schemas.microsoft.com/office/drawing/2014/main" xmlns="" id="{99DF0FE0-DB9D-4180-8370-CD26FB46DF57}"/>
               </a:ext>
             </a:extLst>
           </p:cNvPr>
@@ -20028,7 +20067,7 @@
           <p:cNvPr id="3" name="Таблица 4">
             <a:extLst>
               <a:ext uri="{FF2B5EF4-FFF2-40B4-BE49-F238E27FC236}">
-                <a16:creationId xmlns:a16="http://schemas.microsoft.com/office/drawing/2014/main" id="{00F7F49F-4DBA-4F90-930B-168FBD2C3993}"/>
+                <a16:creationId xmlns:a16="http://schemas.microsoft.com/office/drawing/2014/main" xmlns="" id="{00F7F49F-4DBA-4F90-930B-168FBD2C3993}"/>
               </a:ext>
             </a:extLst>
           </p:cNvPr>
@@ -20057,28 +20096,28 @@
                 <a:gridCol w="2918373">
                   <a:extLst>
                     <a:ext uri="{9D8B030D-6E8A-4147-A177-3AD203B41FA5}">
-                      <a16:colId xmlns:a16="http://schemas.microsoft.com/office/drawing/2014/main" val="1499889481"/>
+                      <a16:colId xmlns:a16="http://schemas.microsoft.com/office/drawing/2014/main" xmlns="" val="1499889481"/>
                     </a:ext>
                   </a:extLst>
                 </a:gridCol>
                 <a:gridCol w="2918373">
                   <a:extLst>
                     <a:ext uri="{9D8B030D-6E8A-4147-A177-3AD203B41FA5}">
-                      <a16:colId xmlns:a16="http://schemas.microsoft.com/office/drawing/2014/main" val="4096455142"/>
+                      <a16:colId xmlns:a16="http://schemas.microsoft.com/office/drawing/2014/main" xmlns="" val="4096455142"/>
                     </a:ext>
                   </a:extLst>
                 </a:gridCol>
                 <a:gridCol w="2918373">
                   <a:extLst>
                     <a:ext uri="{9D8B030D-6E8A-4147-A177-3AD203B41FA5}">
-                      <a16:colId xmlns:a16="http://schemas.microsoft.com/office/drawing/2014/main" val="2769789513"/>
+                      <a16:colId xmlns:a16="http://schemas.microsoft.com/office/drawing/2014/main" xmlns="" val="2769789513"/>
                     </a:ext>
                   </a:extLst>
                 </a:gridCol>
                 <a:gridCol w="2918373">
                   <a:extLst>
                     <a:ext uri="{9D8B030D-6E8A-4147-A177-3AD203B41FA5}">
-                      <a16:colId xmlns:a16="http://schemas.microsoft.com/office/drawing/2014/main" val="2020725272"/>
+                      <a16:colId xmlns:a16="http://schemas.microsoft.com/office/drawing/2014/main" xmlns="" val="2020725272"/>
                     </a:ext>
                   </a:extLst>
                 </a:gridCol>
@@ -20355,7 +20394,7 @@
                 </a:tc>
                 <a:extLst>
                   <a:ext uri="{0D108BD9-81ED-4DB2-BD59-A6C34878D82A}">
-                    <a16:rowId xmlns:a16="http://schemas.microsoft.com/office/drawing/2014/main" val="668919319"/>
+                    <a16:rowId xmlns:a16="http://schemas.microsoft.com/office/drawing/2014/main" xmlns="" val="668919319"/>
                   </a:ext>
                 </a:extLst>
               </a:tr>
@@ -20629,7 +20668,7 @@
                 </a:tc>
                 <a:extLst>
                   <a:ext uri="{0D108BD9-81ED-4DB2-BD59-A6C34878D82A}">
-                    <a16:rowId xmlns:a16="http://schemas.microsoft.com/office/drawing/2014/main" val="219473974"/>
+                    <a16:rowId xmlns:a16="http://schemas.microsoft.com/office/drawing/2014/main" xmlns="" val="219473974"/>
                   </a:ext>
                 </a:extLst>
               </a:tr>
@@ -20894,7 +20933,7 @@
                 </a:tc>
                 <a:extLst>
                   <a:ext uri="{0D108BD9-81ED-4DB2-BD59-A6C34878D82A}">
-                    <a16:rowId xmlns:a16="http://schemas.microsoft.com/office/drawing/2014/main" val="2272743731"/>
+                    <a16:rowId xmlns:a16="http://schemas.microsoft.com/office/drawing/2014/main" xmlns="" val="2272743731"/>
                   </a:ext>
                 </a:extLst>
               </a:tr>
@@ -21149,7 +21188,7 @@
                 </a:tc>
                 <a:extLst>
                   <a:ext uri="{0D108BD9-81ED-4DB2-BD59-A6C34878D82A}">
-                    <a16:rowId xmlns:a16="http://schemas.microsoft.com/office/drawing/2014/main" val="10003"/>
+                    <a16:rowId xmlns:a16="http://schemas.microsoft.com/office/drawing/2014/main" xmlns="" val="10003"/>
                   </a:ext>
                 </a:extLst>
               </a:tr>
@@ -21447,7 +21486,7 @@
                 </a:tc>
                 <a:extLst>
                   <a:ext uri="{0D108BD9-81ED-4DB2-BD59-A6C34878D82A}">
-                    <a16:rowId xmlns:a16="http://schemas.microsoft.com/office/drawing/2014/main" val="10004"/>
+                    <a16:rowId xmlns:a16="http://schemas.microsoft.com/office/drawing/2014/main" xmlns="" val="10004"/>
                   </a:ext>
                 </a:extLst>
               </a:tr>
@@ -21720,7 +21759,7 @@
                 </a:tc>
                 <a:extLst>
                   <a:ext uri="{0D108BD9-81ED-4DB2-BD59-A6C34878D82A}">
-                    <a16:rowId xmlns:a16="http://schemas.microsoft.com/office/drawing/2014/main" val="10005"/>
+                    <a16:rowId xmlns:a16="http://schemas.microsoft.com/office/drawing/2014/main" xmlns="" val="10005"/>
                   </a:ext>
                 </a:extLst>
               </a:tr>
@@ -21841,7 +21880,7 @@
           <p:cNvPr id="24" name="Таблица 4">
             <a:extLst>
               <a:ext uri="{FF2B5EF4-FFF2-40B4-BE49-F238E27FC236}">
-                <a16:creationId xmlns:a16="http://schemas.microsoft.com/office/drawing/2014/main" id="{A3860CC5-D0BA-4339-B5F2-10E3B3026E4F}"/>
+                <a16:creationId xmlns:a16="http://schemas.microsoft.com/office/drawing/2014/main" xmlns="" id="{A3860CC5-D0BA-4339-B5F2-10E3B3026E4F}"/>
               </a:ext>
             </a:extLst>
           </p:cNvPr>
@@ -21870,28 +21909,28 @@
                 <a:gridCol w="2854900">
                   <a:extLst>
                     <a:ext uri="{9D8B030D-6E8A-4147-A177-3AD203B41FA5}">
-                      <a16:colId xmlns:a16="http://schemas.microsoft.com/office/drawing/2014/main" val="1499889481"/>
+                      <a16:colId xmlns:a16="http://schemas.microsoft.com/office/drawing/2014/main" xmlns="" val="1499889481"/>
                     </a:ext>
                   </a:extLst>
                 </a:gridCol>
                 <a:gridCol w="2854900">
                   <a:extLst>
                     <a:ext uri="{9D8B030D-6E8A-4147-A177-3AD203B41FA5}">
-                      <a16:colId xmlns:a16="http://schemas.microsoft.com/office/drawing/2014/main" val="4096455142"/>
+                      <a16:colId xmlns:a16="http://schemas.microsoft.com/office/drawing/2014/main" xmlns="" val="4096455142"/>
                     </a:ext>
                   </a:extLst>
                 </a:gridCol>
                 <a:gridCol w="2467795">
                   <a:extLst>
                     <a:ext uri="{9D8B030D-6E8A-4147-A177-3AD203B41FA5}">
-                      <a16:colId xmlns:a16="http://schemas.microsoft.com/office/drawing/2014/main" val="2769789513"/>
+                      <a16:colId xmlns:a16="http://schemas.microsoft.com/office/drawing/2014/main" xmlns="" val="2769789513"/>
                     </a:ext>
                   </a:extLst>
                 </a:gridCol>
                 <a:gridCol w="3242005">
                   <a:extLst>
                     <a:ext uri="{9D8B030D-6E8A-4147-A177-3AD203B41FA5}">
-                      <a16:colId xmlns:a16="http://schemas.microsoft.com/office/drawing/2014/main" val="2020725272"/>
+                      <a16:colId xmlns:a16="http://schemas.microsoft.com/office/drawing/2014/main" xmlns="" val="2020725272"/>
                     </a:ext>
                   </a:extLst>
                 </a:gridCol>
@@ -22168,7 +22207,7 @@
                 </a:tc>
                 <a:extLst>
                   <a:ext uri="{0D108BD9-81ED-4DB2-BD59-A6C34878D82A}">
-                    <a16:rowId xmlns:a16="http://schemas.microsoft.com/office/drawing/2014/main" val="668919319"/>
+                    <a16:rowId xmlns:a16="http://schemas.microsoft.com/office/drawing/2014/main" xmlns="" val="668919319"/>
                   </a:ext>
                 </a:extLst>
               </a:tr>
@@ -22490,7 +22529,7 @@
                 </a:tc>
                 <a:extLst>
                   <a:ext uri="{0D108BD9-81ED-4DB2-BD59-A6C34878D82A}">
-                    <a16:rowId xmlns:a16="http://schemas.microsoft.com/office/drawing/2014/main" val="3494377323"/>
+                    <a16:rowId xmlns:a16="http://schemas.microsoft.com/office/drawing/2014/main" xmlns="" val="3494377323"/>
                   </a:ext>
                 </a:extLst>
               </a:tr>
@@ -22902,7 +22941,7 @@
                 </a:tc>
                 <a:extLst>
                   <a:ext uri="{0D108BD9-81ED-4DB2-BD59-A6C34878D82A}">
-                    <a16:rowId xmlns:a16="http://schemas.microsoft.com/office/drawing/2014/main" val="3837204769"/>
+                    <a16:rowId xmlns:a16="http://schemas.microsoft.com/office/drawing/2014/main" xmlns="" val="3837204769"/>
                   </a:ext>
                 </a:extLst>
               </a:tr>
@@ -23224,7 +23263,7 @@
                 </a:tc>
                 <a:extLst>
                   <a:ext uri="{0D108BD9-81ED-4DB2-BD59-A6C34878D82A}">
-                    <a16:rowId xmlns:a16="http://schemas.microsoft.com/office/drawing/2014/main" val="2993451219"/>
+                    <a16:rowId xmlns:a16="http://schemas.microsoft.com/office/drawing/2014/main" xmlns="" val="2993451219"/>
                   </a:ext>
                 </a:extLst>
               </a:tr>
@@ -23237,7 +23276,7 @@
           <p:cNvPr id="4" name="TextBox 3">
             <a:extLst>
               <a:ext uri="{FF2B5EF4-FFF2-40B4-BE49-F238E27FC236}">
-                <a16:creationId xmlns:a16="http://schemas.microsoft.com/office/drawing/2014/main" id="{99DF0FE0-DB9D-4180-8370-CD26FB46DF57}"/>
+                <a16:creationId xmlns:a16="http://schemas.microsoft.com/office/drawing/2014/main" xmlns="" id="{99DF0FE0-DB9D-4180-8370-CD26FB46DF57}"/>
               </a:ext>
             </a:extLst>
           </p:cNvPr>
@@ -23481,7 +23520,7 @@
           <p:cNvPr id="25" name="TextBox 24">
             <a:extLst>
               <a:ext uri="{FF2B5EF4-FFF2-40B4-BE49-F238E27FC236}">
-                <a16:creationId xmlns:a16="http://schemas.microsoft.com/office/drawing/2014/main" id="{A3B76C38-5C63-40EA-9C87-3E38ECF3DF17}"/>
+                <a16:creationId xmlns:a16="http://schemas.microsoft.com/office/drawing/2014/main" xmlns="" id="{A3B76C38-5C63-40EA-9C87-3E38ECF3DF17}"/>
               </a:ext>
             </a:extLst>
           </p:cNvPr>
@@ -23694,7 +23733,7 @@
           <p:cNvPr id="26" name="TextBox 25">
             <a:extLst>
               <a:ext uri="{FF2B5EF4-FFF2-40B4-BE49-F238E27FC236}">
-                <a16:creationId xmlns:a16="http://schemas.microsoft.com/office/drawing/2014/main" id="{96DDB9E9-690B-4F81-8DB3-0E70A89F8AF3}"/>
+                <a16:creationId xmlns:a16="http://schemas.microsoft.com/office/drawing/2014/main" xmlns="" id="{96DDB9E9-690B-4F81-8DB3-0E70A89F8AF3}"/>
               </a:ext>
             </a:extLst>
           </p:cNvPr>
@@ -23834,7 +23873,7 @@
           <p:cNvPr id="25" name="TextBox 24">
             <a:extLst>
               <a:ext uri="{FF2B5EF4-FFF2-40B4-BE49-F238E27FC236}">
-                <a16:creationId xmlns:a16="http://schemas.microsoft.com/office/drawing/2014/main" id="{A3B76C38-5C63-40EA-9C87-3E38ECF3DF17}"/>
+                <a16:creationId xmlns:a16="http://schemas.microsoft.com/office/drawing/2014/main" xmlns="" id="{A3B76C38-5C63-40EA-9C87-3E38ECF3DF17}"/>
               </a:ext>
             </a:extLst>
           </p:cNvPr>
@@ -24231,7 +24270,7 @@
           <p:cNvPr id="26" name="TextBox 25">
             <a:extLst>
               <a:ext uri="{FF2B5EF4-FFF2-40B4-BE49-F238E27FC236}">
-                <a16:creationId xmlns:a16="http://schemas.microsoft.com/office/drawing/2014/main" id="{96DDB9E9-690B-4F81-8DB3-0E70A89F8AF3}"/>
+                <a16:creationId xmlns:a16="http://schemas.microsoft.com/office/drawing/2014/main" xmlns="" id="{96DDB9E9-690B-4F81-8DB3-0E70A89F8AF3}"/>
               </a:ext>
             </a:extLst>
           </p:cNvPr>
@@ -24371,7 +24410,7 @@
           <p:cNvPr id="22" name="TextBox 21">
             <a:extLst>
               <a:ext uri="{FF2B5EF4-FFF2-40B4-BE49-F238E27FC236}">
-                <a16:creationId xmlns:a16="http://schemas.microsoft.com/office/drawing/2014/main" id="{F2A3175E-BC98-4B41-A655-E89BECF9C02C}"/>
+                <a16:creationId xmlns:a16="http://schemas.microsoft.com/office/drawing/2014/main" xmlns="" id="{F2A3175E-BC98-4B41-A655-E89BECF9C02C}"/>
               </a:ext>
             </a:extLst>
           </p:cNvPr>
@@ -24558,7 +24597,7 @@
           <p:cNvPr id="4" name="TextBox 3">
             <a:extLst>
               <a:ext uri="{FF2B5EF4-FFF2-40B4-BE49-F238E27FC236}">
-                <a16:creationId xmlns:a16="http://schemas.microsoft.com/office/drawing/2014/main" id="{F2A3175E-BC98-4B41-A655-E89BECF9C02C}"/>
+                <a16:creationId xmlns:a16="http://schemas.microsoft.com/office/drawing/2014/main" xmlns="" id="{F2A3175E-BC98-4B41-A655-E89BECF9C02C}"/>
               </a:ext>
             </a:extLst>
           </p:cNvPr>
@@ -24908,7 +24947,7 @@
           <p:cNvPr id="5" name="Rectangle 28" descr="Светлый диагональный 2">
             <a:extLst>
               <a:ext uri="{FF2B5EF4-FFF2-40B4-BE49-F238E27FC236}">
-                <a16:creationId xmlns:a16="http://schemas.microsoft.com/office/drawing/2014/main" id="{2A0E99F7-A4CC-4E8F-8C74-D6A03276576B}"/>
+                <a16:creationId xmlns:a16="http://schemas.microsoft.com/office/drawing/2014/main" xmlns="" id="{2A0E99F7-A4CC-4E8F-8C74-D6A03276576B}"/>
               </a:ext>
             </a:extLst>
           </p:cNvPr>
@@ -25094,7 +25133,7 @@
           <p:cNvPr id="25" name="TextBox 24">
             <a:extLst>
               <a:ext uri="{FF2B5EF4-FFF2-40B4-BE49-F238E27FC236}">
-                <a16:creationId xmlns:a16="http://schemas.microsoft.com/office/drawing/2014/main" id="{A3B76C38-5C63-40EA-9C87-3E38ECF3DF17}"/>
+                <a16:creationId xmlns:a16="http://schemas.microsoft.com/office/drawing/2014/main" xmlns="" id="{A3B76C38-5C63-40EA-9C87-3E38ECF3DF17}"/>
               </a:ext>
             </a:extLst>
           </p:cNvPr>
@@ -25368,7 +25407,7 @@
           <p:cNvPr id="9" name="Rectangle 28" descr="Светлый диагональный 2">
             <a:extLst>
               <a:ext uri="{FF2B5EF4-FFF2-40B4-BE49-F238E27FC236}">
-                <a16:creationId xmlns:a16="http://schemas.microsoft.com/office/drawing/2014/main" id="{2A0E99F7-A4CC-4E8F-8C74-D6A03276576B}"/>
+                <a16:creationId xmlns:a16="http://schemas.microsoft.com/office/drawing/2014/main" xmlns="" id="{2A0E99F7-A4CC-4E8F-8C74-D6A03276576B}"/>
               </a:ext>
             </a:extLst>
           </p:cNvPr>
@@ -25550,13 +25589,7 @@
               <a:rPr lang="ru-RU" altLang="ru-RU" sz="2400" b="1" dirty="0" smtClean="0">
                 <a:latin typeface="Bookman Old Style" pitchFamily="18" charset="0"/>
               </a:rPr>
-              <a:t>Пахомов </a:t>
-            </a:r>
-            <a:r>
-              <a:rPr lang="ru-RU" altLang="ru-RU" sz="2400" b="1" dirty="0" smtClean="0">
-                <a:latin typeface="Bookman Old Style" pitchFamily="18" charset="0"/>
-              </a:rPr>
-              <a:t>Б.И. </a:t>
+              <a:t>Пахомов Б.И. </a:t>
             </a:r>
             <a:r>
               <a:rPr lang="en-US" altLang="ru-RU" sz="2400" dirty="0" smtClean="0">
@@ -25594,13 +25627,7 @@
               <a:rPr lang="en-US" altLang="ru-RU" sz="2400" dirty="0" smtClean="0">
                 <a:latin typeface="Bookman Old Style" pitchFamily="18" charset="0"/>
               </a:rPr>
-              <a:t>C</a:t>
-            </a:r>
-            <a:r>
-              <a:rPr lang="en-US" altLang="ru-RU" sz="2400" dirty="0" smtClean="0">
-                <a:latin typeface="Bookman Old Style" pitchFamily="18" charset="0"/>
-              </a:rPr>
-              <a:t>#.</a:t>
+              <a:t>C#.</a:t>
             </a:r>
           </a:p>
           <a:p>
@@ -27244,7 +27271,7 @@
           <p:cNvPr id="33" name="TextBox 32">
             <a:extLst>
               <a:ext uri="{FF2B5EF4-FFF2-40B4-BE49-F238E27FC236}">
-                <a16:creationId xmlns:a16="http://schemas.microsoft.com/office/drawing/2014/main" id="{689B0D2C-0018-42DF-877A-CCACB021655D}"/>
+                <a16:creationId xmlns:a16="http://schemas.microsoft.com/office/drawing/2014/main" xmlns="" id="{689B0D2C-0018-42DF-877A-CCACB021655D}"/>
               </a:ext>
             </a:extLst>
           </p:cNvPr>
@@ -27417,7 +27444,7 @@
           <p:cNvPr id="46" name="Группа 45">
             <a:extLst>
               <a:ext uri="{FF2B5EF4-FFF2-40B4-BE49-F238E27FC236}">
-                <a16:creationId xmlns:a16="http://schemas.microsoft.com/office/drawing/2014/main" id="{259CF808-FDEC-404B-9021-D9644DEED751}"/>
+                <a16:creationId xmlns:a16="http://schemas.microsoft.com/office/drawing/2014/main" xmlns="" id="{259CF808-FDEC-404B-9021-D9644DEED751}"/>
               </a:ext>
             </a:extLst>
           </p:cNvPr>
@@ -27437,7 +27464,7 @@
             <p:cNvPr id="36" name="Прямоугольник 35">
               <a:extLst>
                 <a:ext uri="{FF2B5EF4-FFF2-40B4-BE49-F238E27FC236}">
-                  <a16:creationId xmlns:a16="http://schemas.microsoft.com/office/drawing/2014/main" id="{81B8DD6E-DB8A-49C8-8BE9-48882B5BAC55}"/>
+                  <a16:creationId xmlns:a16="http://schemas.microsoft.com/office/drawing/2014/main" xmlns="" id="{81B8DD6E-DB8A-49C8-8BE9-48882B5BAC55}"/>
                 </a:ext>
               </a:extLst>
             </p:cNvPr>
@@ -27505,7 +27532,7 @@
             <p:cNvPr id="37" name="Прямоугольник 36">
               <a:extLst>
                 <a:ext uri="{FF2B5EF4-FFF2-40B4-BE49-F238E27FC236}">
-                  <a16:creationId xmlns:a16="http://schemas.microsoft.com/office/drawing/2014/main" id="{EEDA65F8-FEC4-4F53-8EC0-11AEAA114C9F}"/>
+                  <a16:creationId xmlns:a16="http://schemas.microsoft.com/office/drawing/2014/main" xmlns="" id="{EEDA65F8-FEC4-4F53-8EC0-11AEAA114C9F}"/>
                 </a:ext>
               </a:extLst>
             </p:cNvPr>
@@ -27570,7 +27597,7 @@
             <p:cNvPr id="38" name="Прямоугольник 37">
               <a:extLst>
                 <a:ext uri="{FF2B5EF4-FFF2-40B4-BE49-F238E27FC236}">
-                  <a16:creationId xmlns:a16="http://schemas.microsoft.com/office/drawing/2014/main" id="{1FB65849-4720-4EA1-BF88-57D898657A78}"/>
+                  <a16:creationId xmlns:a16="http://schemas.microsoft.com/office/drawing/2014/main" xmlns="" id="{1FB65849-4720-4EA1-BF88-57D898657A78}"/>
                 </a:ext>
               </a:extLst>
             </p:cNvPr>
@@ -27635,7 +27662,7 @@
             <p:cNvPr id="39" name="Прямая со стрелкой 38">
               <a:extLst>
                 <a:ext uri="{FF2B5EF4-FFF2-40B4-BE49-F238E27FC236}">
-                  <a16:creationId xmlns:a16="http://schemas.microsoft.com/office/drawing/2014/main" id="{A1A07A0C-8973-40B8-8D9E-16308056F0AE}"/>
+                  <a16:creationId xmlns:a16="http://schemas.microsoft.com/office/drawing/2014/main" xmlns="" id="{A1A07A0C-8973-40B8-8D9E-16308056F0AE}"/>
                 </a:ext>
               </a:extLst>
             </p:cNvPr>
@@ -27677,7 +27704,7 @@
             <p:cNvPr id="42" name="Прямая со стрелкой 41">
               <a:extLst>
                 <a:ext uri="{FF2B5EF4-FFF2-40B4-BE49-F238E27FC236}">
-                  <a16:creationId xmlns:a16="http://schemas.microsoft.com/office/drawing/2014/main" id="{66575EE3-1F50-4066-908C-42819E162798}"/>
+                  <a16:creationId xmlns:a16="http://schemas.microsoft.com/office/drawing/2014/main" xmlns="" id="{66575EE3-1F50-4066-908C-42819E162798}"/>
                 </a:ext>
               </a:extLst>
             </p:cNvPr>
@@ -27720,7 +27747,7 @@
             <p:cNvPr id="45" name="Прямая со стрелкой 44">
               <a:extLst>
                 <a:ext uri="{FF2B5EF4-FFF2-40B4-BE49-F238E27FC236}">
-                  <a16:creationId xmlns:a16="http://schemas.microsoft.com/office/drawing/2014/main" id="{F6BE3228-D158-4958-9E0A-A32806A0FB19}"/>
+                  <a16:creationId xmlns:a16="http://schemas.microsoft.com/office/drawing/2014/main" xmlns="" id="{F6BE3228-D158-4958-9E0A-A32806A0FB19}"/>
                 </a:ext>
               </a:extLst>
             </p:cNvPr>
@@ -27764,7 +27791,7 @@
           <p:cNvPr id="3" name="Рисунок 2">
             <a:extLst>
               <a:ext uri="{FF2B5EF4-FFF2-40B4-BE49-F238E27FC236}">
-                <a16:creationId xmlns:a16="http://schemas.microsoft.com/office/drawing/2014/main" id="{9599A06E-78B4-4F36-A9B1-2F8FC9FC1C29}"/>
+                <a16:creationId xmlns:a16="http://schemas.microsoft.com/office/drawing/2014/main" xmlns="" id="{9599A06E-78B4-4F36-A9B1-2F8FC9FC1C29}"/>
               </a:ext>
             </a:extLst>
           </p:cNvPr>
@@ -27800,7 +27827,7 @@
           <p:cNvPr id="16" name="TextBox 15">
             <a:extLst>
               <a:ext uri="{FF2B5EF4-FFF2-40B4-BE49-F238E27FC236}">
-                <a16:creationId xmlns:a16="http://schemas.microsoft.com/office/drawing/2014/main" id="{ADFDB2B9-53A5-400D-9BFD-77ABF1976DD0}"/>
+                <a16:creationId xmlns:a16="http://schemas.microsoft.com/office/drawing/2014/main" xmlns="" id="{ADFDB2B9-53A5-400D-9BFD-77ABF1976DD0}"/>
               </a:ext>
             </a:extLst>
           </p:cNvPr>
@@ -27908,7 +27935,7 @@
           <p:cNvPr id="3" name="Рисунок 2">
             <a:extLst>
               <a:ext uri="{FF2B5EF4-FFF2-40B4-BE49-F238E27FC236}">
-                <a16:creationId xmlns:a16="http://schemas.microsoft.com/office/drawing/2014/main" id="{9CD0478D-DBA8-49E3-99F5-14EE8A29FA77}"/>
+                <a16:creationId xmlns:a16="http://schemas.microsoft.com/office/drawing/2014/main" xmlns="" id="{9CD0478D-DBA8-49E3-99F5-14EE8A29FA77}"/>
               </a:ext>
             </a:extLst>
           </p:cNvPr>
@@ -27944,7 +27971,7 @@
           <p:cNvPr id="8" name="Рисунок 7">
             <a:extLst>
               <a:ext uri="{FF2B5EF4-FFF2-40B4-BE49-F238E27FC236}">
-                <a16:creationId xmlns:a16="http://schemas.microsoft.com/office/drawing/2014/main" id="{0803E179-9370-4450-A401-0A04F80F3ED2}"/>
+                <a16:creationId xmlns:a16="http://schemas.microsoft.com/office/drawing/2014/main" xmlns="" id="{0803E179-9370-4450-A401-0A04F80F3ED2}"/>
               </a:ext>
             </a:extLst>
           </p:cNvPr>
@@ -28019,7 +28046,7 @@
           <p:cNvPr id="6" name="Прямоугольник 5">
             <a:extLst>
               <a:ext uri="{FF2B5EF4-FFF2-40B4-BE49-F238E27FC236}">
-                <a16:creationId xmlns:a16="http://schemas.microsoft.com/office/drawing/2014/main" id="{22956EA0-33B4-48F1-925B-D54652BE9463}"/>
+                <a16:creationId xmlns:a16="http://schemas.microsoft.com/office/drawing/2014/main" xmlns="" id="{22956EA0-33B4-48F1-925B-D54652BE9463}"/>
               </a:ext>
             </a:extLst>
           </p:cNvPr>
@@ -28204,7 +28231,7 @@
           <p:cNvPr id="25" name="Прямоугольник 24">
             <a:extLst>
               <a:ext uri="{FF2B5EF4-FFF2-40B4-BE49-F238E27FC236}">
-                <a16:creationId xmlns:a16="http://schemas.microsoft.com/office/drawing/2014/main" id="{22956EA0-33B4-48F1-925B-D54652BE9463}"/>
+                <a16:creationId xmlns:a16="http://schemas.microsoft.com/office/drawing/2014/main" xmlns="" id="{22956EA0-33B4-48F1-925B-D54652BE9463}"/>
               </a:ext>
             </a:extLst>
           </p:cNvPr>
@@ -28415,7 +28442,7 @@
           <p:cNvPr id="3" name="Рисунок 2">
             <a:extLst>
               <a:ext uri="{FF2B5EF4-FFF2-40B4-BE49-F238E27FC236}">
-                <a16:creationId xmlns:a16="http://schemas.microsoft.com/office/drawing/2014/main" id="{98AE2332-BF36-41E5-8565-CFDE4EF6FD1F}"/>
+                <a16:creationId xmlns:a16="http://schemas.microsoft.com/office/drawing/2014/main" xmlns="" id="{98AE2332-BF36-41E5-8565-CFDE4EF6FD1F}"/>
               </a:ext>
             </a:extLst>
           </p:cNvPr>
